--- a/Arbetsgrupp 1.pptx
+++ b/Arbetsgrupp 1.pptx
@@ -12,9 +12,9 @@
     <p:sldId id="262" r:id="rId4"/>
     <p:sldId id="257" r:id="rId5"/>
     <p:sldId id="264" r:id="rId6"/>
-    <p:sldId id="265" r:id="rId7"/>
-    <p:sldId id="266" r:id="rId8"/>
-    <p:sldId id="273" r:id="rId9"/>
+    <p:sldId id="273" r:id="rId7"/>
+    <p:sldId id="265" r:id="rId8"/>
+    <p:sldId id="266" r:id="rId9"/>
     <p:sldId id="269" r:id="rId10"/>
     <p:sldId id="272" r:id="rId11"/>
     <p:sldId id="267" r:id="rId12"/>
@@ -132,9 +132,9 @@
             <p14:sldId id="262"/>
             <p14:sldId id="257"/>
             <p14:sldId id="264"/>
+            <p14:sldId id="273"/>
             <p14:sldId id="265"/>
             <p14:sldId id="266"/>
-            <p14:sldId id="273"/>
             <p14:sldId id="269"/>
             <p14:sldId id="272"/>
             <p14:sldId id="267"/>
@@ -255,7 +255,7 @@
           <a:p>
             <a:fld id="{EC13577B-6902-467D-A26C-08A0DD5E4E03}" type="datetimeFigureOut">
               <a:rPr lang="en-US" smtClean="0"/>
-              <a:t>11/24/2014</a:t>
+              <a:t>11/25/2014</a:t>
             </a:fld>
             <a:endParaRPr lang="en-US"/>
           </a:p>
@@ -905,7 +905,7 @@
           <a:p>
             <a:fld id="{8BEEBAAA-29B5-4AF5-BC5F-7E580C29002D}" type="datetimeFigureOut">
               <a:rPr lang="en-US" smtClean="0"/>
-              <a:t>11/24/2014</a:t>
+              <a:t>11/25/2014</a:t>
             </a:fld>
             <a:endParaRPr lang="en-US"/>
           </a:p>
@@ -1182,7 +1182,7 @@
           <a:p>
             <a:fld id="{8BEEBAAA-29B5-4AF5-BC5F-7E580C29002D}" type="datetimeFigureOut">
               <a:rPr lang="en-US" smtClean="0"/>
-              <a:t>11/24/2014</a:t>
+              <a:t>11/25/2014</a:t>
             </a:fld>
             <a:endParaRPr lang="en-US"/>
           </a:p>
@@ -1464,7 +1464,7 @@
           <a:p>
             <a:fld id="{8BEEBAAA-29B5-4AF5-BC5F-7E580C29002D}" type="datetimeFigureOut">
               <a:rPr lang="en-US" smtClean="0"/>
-              <a:t>11/24/2014</a:t>
+              <a:t>11/25/2014</a:t>
             </a:fld>
             <a:endParaRPr lang="en-US"/>
           </a:p>
@@ -1825,7 +1825,7 @@
           <a:p>
             <a:fld id="{8BEEBAAA-29B5-4AF5-BC5F-7E580C29002D}" type="datetimeFigureOut">
               <a:rPr lang="en-US" smtClean="0"/>
-              <a:t>11/24/2014</a:t>
+              <a:t>11/25/2014</a:t>
             </a:fld>
             <a:endParaRPr lang="en-US"/>
           </a:p>
@@ -2125,7 +2125,7 @@
           <a:p>
             <a:fld id="{8BEEBAAA-29B5-4AF5-BC5F-7E580C29002D}" type="datetimeFigureOut">
               <a:rPr lang="en-US" smtClean="0"/>
-              <a:t>11/24/2014</a:t>
+              <a:t>11/25/2014</a:t>
             </a:fld>
             <a:endParaRPr lang="en-US"/>
           </a:p>
@@ -2640,7 +2640,7 @@
           <a:p>
             <a:fld id="{8BEEBAAA-29B5-4AF5-BC5F-7E580C29002D}" type="datetimeFigureOut">
               <a:rPr lang="en-US" smtClean="0"/>
-              <a:t>11/24/2014</a:t>
+              <a:t>11/25/2014</a:t>
             </a:fld>
             <a:endParaRPr lang="en-US"/>
           </a:p>
@@ -3285,7 +3285,7 @@
           <a:p>
             <a:fld id="{8BEEBAAA-29B5-4AF5-BC5F-7E580C29002D}" type="datetimeFigureOut">
               <a:rPr lang="en-US" smtClean="0"/>
-              <a:t>11/24/2014</a:t>
+              <a:t>11/25/2014</a:t>
             </a:fld>
             <a:endParaRPr lang="en-US"/>
           </a:p>
@@ -3510,7 +3510,7 @@
           <a:p>
             <a:fld id="{8BEEBAAA-29B5-4AF5-BC5F-7E580C29002D}" type="datetimeFigureOut">
               <a:rPr lang="en-US" smtClean="0"/>
-              <a:t>11/24/2014</a:t>
+              <a:t>11/25/2014</a:t>
             </a:fld>
             <a:endParaRPr lang="en-US"/>
           </a:p>
@@ -3651,7 +3651,7 @@
           <a:p>
             <a:fld id="{8BEEBAAA-29B5-4AF5-BC5F-7E580C29002D}" type="datetimeFigureOut">
               <a:rPr lang="en-US" smtClean="0"/>
-              <a:t>11/24/2014</a:t>
+              <a:t>11/25/2014</a:t>
             </a:fld>
             <a:endParaRPr lang="en-US"/>
           </a:p>
@@ -3988,7 +3988,7 @@
           <a:p>
             <a:fld id="{8BEEBAAA-29B5-4AF5-BC5F-7E580C29002D}" type="datetimeFigureOut">
               <a:rPr lang="en-US" smtClean="0"/>
-              <a:t>11/24/2014</a:t>
+              <a:t>11/25/2014</a:t>
             </a:fld>
             <a:endParaRPr lang="en-US"/>
           </a:p>
@@ -4245,7 +4245,7 @@
           <a:p>
             <a:fld id="{8BEEBAAA-29B5-4AF5-BC5F-7E580C29002D}" type="datetimeFigureOut">
               <a:rPr lang="en-US" smtClean="0"/>
-              <a:t>11/24/2014</a:t>
+              <a:t>11/25/2014</a:t>
             </a:fld>
             <a:endParaRPr lang="en-US"/>
           </a:p>
@@ -4458,7 +4458,7 @@
           <a:p>
             <a:fld id="{8BEEBAAA-29B5-4AF5-BC5F-7E580C29002D}" type="datetimeFigureOut">
               <a:rPr lang="en-US" smtClean="0"/>
-              <a:t>11/24/2014</a:t>
+              <a:t>11/25/2014</a:t>
             </a:fld>
             <a:endParaRPr lang="en-US"/>
           </a:p>
@@ -5527,32 +5527,6 @@
       </p:sp>
       <p:sp>
         <p:nvSpPr>
-          <p:cNvPr id="3" name="Text Placeholder 2"/>
-          <p:cNvSpPr>
-            <a:spLocks noGrp="1"/>
-          </p:cNvSpPr>
-          <p:nvPr>
-            <p:ph type="body" idx="1"/>
-          </p:nvPr>
-        </p:nvSpPr>
-        <p:spPr>
-          <a:xfrm>
-            <a:off x="6028267" y="2402237"/>
-            <a:ext cx="5859506" cy="2187226"/>
-          </a:xfrm>
-        </p:spPr>
-        <p:txBody>
-          <a:bodyPr>
-            <a:noAutofit/>
-          </a:bodyPr>
-          <a:lstStyle/>
-          <a:p>
-            <a:endParaRPr lang="en-US" sz="2400" dirty="0"/>
-          </a:p>
-        </p:txBody>
-      </p:sp>
-      <p:sp>
-        <p:nvSpPr>
           <p:cNvPr id="9" name="Text Placeholder 2">
             <a:hlinkClick r:id="rId3" tooltip="Learn More"/>
           </p:cNvPr>
@@ -5748,6 +5722,36 @@
           </a:p>
         </p:txBody>
       </p:sp>
+      <p:pic>
+        <p:nvPicPr>
+          <p:cNvPr id="4" name="Picture 3"/>
+          <p:cNvPicPr>
+            <a:picLocks noChangeAspect="1"/>
+          </p:cNvPicPr>
+          <p:nvPr/>
+        </p:nvPicPr>
+        <p:blipFill>
+          <a:blip r:embed="rId4">
+            <a:extLst>
+              <a:ext uri="{28A0092B-C50C-407E-A947-70E740481C1C}">
+                <a14:useLocalDpi xmlns:a14="http://schemas.microsoft.com/office/drawing/2010/main" val="0"/>
+              </a:ext>
+            </a:extLst>
+          </a:blip>
+          <a:stretch>
+            <a:fillRect/>
+          </a:stretch>
+        </p:blipFill>
+        <p:spPr>
+          <a:xfrm>
+            <a:off x="6517858" y="1978360"/>
+            <a:ext cx="4968290" cy="3025022"/>
+          </a:xfrm>
+          <a:prstGeom prst="rect">
+            <a:avLst/>
+          </a:prstGeom>
+        </p:spPr>
+      </p:pic>
     </p:spTree>
     <p:extLst>
       <p:ext uri="{BB962C8B-B14F-4D97-AF65-F5344CB8AC3E}">
@@ -5846,8 +5850,8 @@
             </p:nvSpPr>
             <p:spPr>
               <a:xfrm>
-                <a:off x="838200" y="1825624"/>
-                <a:ext cx="4876800" cy="4447761"/>
+                <a:off x="838199" y="1825624"/>
+                <a:ext cx="7840579" cy="4447761"/>
               </a:xfrm>
             </p:spPr>
             <p:txBody>
@@ -5857,27 +5861,33 @@
               <a:lstStyle/>
               <a:p>
                 <a:r>
+                  <a:rPr lang="sv-SE" dirty="0"/>
+                  <a:t>S</a:t>
+                </a:r>
+                <a:r>
                   <a:rPr lang="sv-SE" dirty="0" smtClean="0"/>
-                  <a:t>Det </a:t>
+                  <a:t>umman </a:t>
                 </a:r>
                 <a:r>
                   <a:rPr lang="sv-SE" dirty="0"/>
-                  <a:t>vill säga att summan av alla krafter är lika med </a:t>
+                  <a:t>av alla krafter är lika med </a:t>
                 </a:r>
                 <a:r>
                   <a:rPr lang="sv-SE" dirty="0" smtClean="0"/>
-                  <a:t>noll.</a:t>
+                  <a:t>noll</a:t>
                 </a:r>
-              </a:p>
-              <a:p>
-                <a:pPr algn="ctr"/>
                 <a:r>
-                  <a:rPr lang="sv-SE" sz="2800" b="1" dirty="0" smtClean="0">
+                  <a:rPr lang="sv-SE" dirty="0" smtClean="0"/>
+                  <a:t>.		</a:t>
+                </a:r>
+                <a:r>
+                  <a:rPr lang="sv-SE" sz="3600" b="1" dirty="0">
                     <a:solidFill>
                       <a:schemeClr val="tx1"/>
                     </a:solidFill>
+                    <a:latin typeface="+mj-lt"/>
                   </a:rPr>
-                  <a:t>   </a:t>
+                  <a:t> </a:t>
                 </a:r>
                 <a14:m>
                   <m:oMath xmlns:m="http://schemas.openxmlformats.org/officeDocument/2006/math">
@@ -5888,10 +5898,11 @@
                         <m:subHide m:val="on"/>
                         <m:supHide m:val="on"/>
                         <m:ctrlPr>
-                          <a:rPr lang="sv-SE" sz="2800" b="1" i="1">
+                          <a:rPr lang="sv-SE" sz="3600" b="1" i="1">
                             <a:solidFill>
                               <a:schemeClr val="tx1"/>
                             </a:solidFill>
+                            <a:latin typeface="+mj-lt"/>
                           </a:rPr>
                         </m:ctrlPr>
                       </m:naryPr>
@@ -5899,26 +5910,29 @@
                       <m:sup/>
                       <m:e>
                         <m:r>
-                          <a:rPr lang="sv-SE" sz="2800" b="1" i="1">
+                          <a:rPr lang="sv-SE" sz="3600" b="1" i="1">
                             <a:solidFill>
                               <a:schemeClr val="tx1"/>
                             </a:solidFill>
+                            <a:latin typeface="+mj-lt"/>
                           </a:rPr>
                           <m:t>𝑭</m:t>
                         </m:r>
                         <m:r>
-                          <a:rPr lang="sv-SE" sz="2800" b="1" i="1">
+                          <a:rPr lang="sv-SE" sz="3600" b="1" i="1">
                             <a:solidFill>
                               <a:schemeClr val="tx1"/>
                             </a:solidFill>
+                            <a:latin typeface="+mj-lt"/>
                           </a:rPr>
                           <m:t>=</m:t>
                         </m:r>
                         <m:r>
-                          <a:rPr lang="sv-SE" sz="2800" b="1" i="1">
+                          <a:rPr lang="sv-SE" sz="3600" b="1" i="1">
                             <a:solidFill>
                               <a:schemeClr val="tx1"/>
                             </a:solidFill>
+                            <a:latin typeface="+mj-lt"/>
                           </a:rPr>
                           <m:t>𝟎</m:t>
                         </m:r>
@@ -5926,17 +5940,25 @@
                     </m:nary>
                   </m:oMath>
                 </a14:m>
+                <a:endParaRPr lang="sv-SE" sz="3600" dirty="0" smtClean="0">
+                  <a:latin typeface="+mj-lt"/>
+                </a:endParaRPr>
+              </a:p>
+              <a:p>
+                <a:pPr algn="ctr"/>
                 <a:r>
-                  <a:rPr lang="sv-SE" dirty="0">
+                  <a:rPr lang="sv-SE" dirty="0" smtClean="0">
                     <a:solidFill>
                       <a:schemeClr val="tx1"/>
                     </a:solidFill>
                   </a:rPr>
                   <a:t>     </a:t>
                 </a:r>
-              </a:p>
-              <a:p>
-                <a:endParaRPr lang="en-US" dirty="0" smtClean="0"/>
+                <a:endParaRPr lang="sv-SE" dirty="0">
+                  <a:solidFill>
+                    <a:schemeClr val="tx1"/>
+                  </a:solidFill>
+                </a:endParaRPr>
               </a:p>
               <a:p>
                 <a:endParaRPr lang="en-US" dirty="0"/>
@@ -5957,13 +5979,13 @@
             </p:nvSpPr>
             <p:spPr>
               <a:xfrm>
-                <a:off x="838200" y="1825624"/>
-                <a:ext cx="4876800" cy="4447761"/>
+                <a:off x="838199" y="1825624"/>
+                <a:ext cx="7840579" cy="4447761"/>
               </a:xfrm>
               <a:blipFill rotWithShape="0">
                 <a:blip r:embed="rId2"/>
                 <a:stretch>
-                  <a:fillRect l="-750"/>
+                  <a:fillRect l="-389"/>
                 </a:stretch>
               </a:blipFill>
             </p:spPr>
@@ -5984,7 +6006,7 @@
       </mc:AlternateContent>
       <p:pic>
         <p:nvPicPr>
-          <p:cNvPr id="7" name="Picture 6"/>
+          <p:cNvPr id="4" name="Picture 3"/>
           <p:cNvPicPr>
             <a:picLocks noChangeAspect="1"/>
           </p:cNvPicPr>
@@ -6004,8 +6026,8 @@
         </p:blipFill>
         <p:spPr>
           <a:xfrm>
-            <a:off x="6986338" y="1825624"/>
-            <a:ext cx="4367463" cy="3275597"/>
+            <a:off x="3216442" y="4573001"/>
+            <a:ext cx="6386758" cy="456197"/>
           </a:xfrm>
           <a:prstGeom prst="rect">
             <a:avLst/>
@@ -6014,32 +6036,97 @@
       </p:pic>
       <p:sp>
         <p:nvSpPr>
-          <p:cNvPr id="8" name="Rectangle 7"/>
-          <p:cNvSpPr/>
+          <p:cNvPr id="13" name="TextBox 12"/>
+          <p:cNvSpPr txBox="1"/>
           <p:nvPr/>
         </p:nvSpPr>
         <p:spPr>
           <a:xfrm>
-            <a:off x="7857851" y="5892113"/>
-            <a:ext cx="2624436" cy="230832"/>
+            <a:off x="3216442" y="3617495"/>
+            <a:ext cx="7178842" cy="646331"/>
           </a:xfrm>
           <a:prstGeom prst="rect">
             <a:avLst/>
           </a:prstGeom>
-        </p:spPr>
-        <p:txBody>
-          <a:bodyPr wrap="none">
+          <a:noFill/>
+        </p:spPr>
+        <p:txBody>
+          <a:bodyPr wrap="square" rtlCol="0">
             <a:spAutoFit/>
           </a:bodyPr>
           <a:lstStyle/>
           <a:p>
             <a:r>
-              <a:rPr lang="sv-SE" sz="900" dirty="0">
-                <a:hlinkClick r:id="rId4" action="ppaction://hlinkfile"/>
-              </a:rPr>
-              <a:t>http://samandgabbyscienceproject.weebly.com/</a:t>
-            </a:r>
-            <a:endParaRPr lang="sv-SE" sz="1100" dirty="0"/>
+              <a:rPr lang="en-US" dirty="0"/>
+              <a:t>En </a:t>
+            </a:r>
+            <a:r>
+              <a:rPr lang="sv-SE" dirty="0"/>
+              <a:t>kropp</a:t>
+            </a:r>
+            <a:r>
+              <a:rPr lang="en-US" dirty="0"/>
+              <a:t> </a:t>
+            </a:r>
+            <a:r>
+              <a:rPr lang="en-US" dirty="0" err="1"/>
+              <a:t>förblir</a:t>
+            </a:r>
+            <a:r>
+              <a:rPr lang="en-US" dirty="0"/>
+              <a:t> </a:t>
+            </a:r>
+            <a:r>
+              <a:rPr lang="en-US" dirty="0" err="1"/>
+              <a:t>oförändrad</a:t>
+            </a:r>
+            <a:r>
+              <a:rPr lang="en-US" dirty="0"/>
+              <a:t> </a:t>
+            </a:r>
+            <a:r>
+              <a:rPr lang="en-US" dirty="0" err="1"/>
+              <a:t>inga</a:t>
+            </a:r>
+            <a:r>
+              <a:rPr lang="en-US" dirty="0"/>
+              <a:t> </a:t>
+            </a:r>
+            <a:r>
+              <a:rPr lang="en-US" dirty="0" err="1"/>
+              <a:t>yttre</a:t>
+            </a:r>
+            <a:r>
+              <a:rPr lang="en-US" dirty="0"/>
+              <a:t> </a:t>
+            </a:r>
+            <a:r>
+              <a:rPr lang="en-US" dirty="0" err="1"/>
+              <a:t>krafter</a:t>
+            </a:r>
+            <a:r>
+              <a:rPr lang="en-US" dirty="0"/>
+              <a:t> </a:t>
+            </a:r>
+            <a:r>
+              <a:rPr lang="en-US" dirty="0" err="1"/>
+              <a:t>påverkar</a:t>
+            </a:r>
+            <a:r>
+              <a:rPr lang="en-US" dirty="0"/>
+              <a:t> </a:t>
+            </a:r>
+            <a:r>
+              <a:rPr lang="en-US" dirty="0" err="1"/>
+              <a:t>kropppen</a:t>
+            </a:r>
+            <a:r>
+              <a:rPr lang="en-US" dirty="0"/>
+              <a:t>.</a:t>
+            </a:r>
+          </a:p>
+          <a:p>
+            <a:endParaRPr lang="sv-SE" dirty="0"/>
           </a:p>
         </p:txBody>
       </p:sp>
@@ -6123,8 +6210,8 @@
           </a:p>
         </p:txBody>
       </p:sp>
-      <mc:AlternateContent xmlns:mc="http://schemas.openxmlformats.org/markup-compatibility/2006">
-        <mc:Choice xmlns:a14="http://schemas.microsoft.com/office/drawing/2010/main" Requires="a14">
+      <mc:AlternateContent xmlns:mc="http://schemas.openxmlformats.org/markup-compatibility/2006" xmlns:a14="http://schemas.microsoft.com/office/drawing/2010/main">
+        <mc:Choice Requires="a14">
           <p:sp>
             <p:nvSpPr>
               <p:cNvPr id="3" name="Content Placeholder 2"/>
@@ -6165,7 +6252,7 @@
                           <a:solidFill>
                             <a:schemeClr val="tx1"/>
                           </a:solidFill>
-                          <a:latin typeface="+mj-lt"/>
+                          <a:latin typeface="Cambria Math" panose="02040503050406030204" pitchFamily="18" charset="0"/>
                         </a:rPr>
                         <m:t>𝑭</m:t>
                       </m:r>
@@ -6174,7 +6261,7 @@
                           <a:solidFill>
                             <a:schemeClr val="tx1"/>
                           </a:solidFill>
-                          <a:latin typeface="+mj-lt"/>
+                          <a:latin typeface="Cambria Math" panose="02040503050406030204" pitchFamily="18" charset="0"/>
                         </a:rPr>
                         <m:t>=</m:t>
                       </m:r>
@@ -6183,7 +6270,7 @@
                           <a:solidFill>
                             <a:schemeClr val="tx1"/>
                           </a:solidFill>
-                          <a:latin typeface="+mj-lt"/>
+                          <a:latin typeface="Cambria Math" panose="02040503050406030204" pitchFamily="18" charset="0"/>
                         </a:rPr>
                         <m:t>𝒎</m:t>
                       </m:r>
@@ -6192,7 +6279,7 @@
                           <a:solidFill>
                             <a:schemeClr val="tx1"/>
                           </a:solidFill>
-                          <a:latin typeface="+mj-lt"/>
+                          <a:latin typeface="Cambria Math" panose="02040503050406030204" pitchFamily="18" charset="0"/>
                         </a:rPr>
                         <m:t>∗</m:t>
                       </m:r>
@@ -6201,7 +6288,7 @@
                           <a:solidFill>
                             <a:schemeClr val="tx1"/>
                           </a:solidFill>
-                          <a:latin typeface="+mj-lt"/>
+                          <a:latin typeface="Cambria Math" panose="02040503050406030204" pitchFamily="18" charset="0"/>
                         </a:rPr>
                         <m:t>𝒂</m:t>
                       </m:r>
@@ -6224,7 +6311,7 @@
             </p:txBody>
           </p:sp>
         </mc:Choice>
-        <mc:Fallback>
+        <mc:Fallback xmlns="">
           <p:sp>
             <p:nvSpPr>
               <p:cNvPr id="3" name="Content Placeholder 2"/>
@@ -6638,12 +6725,8 @@
           <a:lstStyle/>
           <a:p>
             <a:r>
-              <a:rPr lang="sv-SE" b="1" dirty="0" smtClean="0"/>
-              <a:t>Satelliterna dockar – </a:t>
-            </a:r>
-            <a:r>
               <a:rPr lang="sv-SE" dirty="0" smtClean="0"/>
-              <a:t>Oelastisk kollision</a:t>
+              <a:t>Avgränsningar</a:t>
             </a:r>
             <a:endParaRPr lang="sv-SE" dirty="0"/>
           </a:p>
@@ -6651,22 +6734,23 @@
       </p:sp>
       <p:sp>
         <p:nvSpPr>
-          <p:cNvPr id="5" name="Rectangle 4"/>
-          <p:cNvSpPr/>
-          <p:nvPr/>
+          <p:cNvPr id="3" name="Content Placeholder 2"/>
+          <p:cNvSpPr>
+            <a:spLocks noGrp="1"/>
+          </p:cNvSpPr>
+          <p:nvPr>
+            <p:ph idx="1"/>
+          </p:nvPr>
         </p:nvSpPr>
         <p:spPr>
           <a:xfrm>
-            <a:off x="497305" y="1734235"/>
-            <a:ext cx="6096000" cy="4247317"/>
-          </a:xfrm>
-          <a:prstGeom prst="rect">
-            <a:avLst/>
-          </a:prstGeom>
+            <a:off x="838201" y="1825625"/>
+            <a:ext cx="6910136" cy="4351338"/>
+          </a:xfrm>
         </p:spPr>
         <p:txBody>
           <a:bodyPr>
-            <a:spAutoFit/>
+            <a:normAutofit/>
           </a:bodyPr>
           <a:lstStyle/>
           <a:p>
@@ -6675,21 +6759,18 @@
               <a:buChar char="•"/>
             </a:pPr>
             <a:r>
-              <a:rPr lang="sv-SE" dirty="0"/>
-              <a:t>En oelastisk </a:t>
-            </a:r>
-            <a:r>
-              <a:rPr lang="sv-SE" dirty="0" smtClean="0"/>
-              <a:t>stöt </a:t>
-            </a:r>
-            <a:r>
-              <a:rPr lang="sv-SE" dirty="0"/>
-              <a:t>innebär att kropparna fastnar i varandra efter stöten </a:t>
-            </a:r>
-            <a:endParaRPr lang="sv-SE" dirty="0" smtClean="0"/>
-          </a:p>
-          <a:p>
-            <a:endParaRPr lang="sv-SE" dirty="0" smtClean="0"/>
+              <a:rPr lang="sv-SE" sz="1800" dirty="0" smtClean="0">
+                <a:solidFill>
+                  <a:schemeClr val="tx1"/>
+                </a:solidFill>
+              </a:rPr>
+              <a:t>Grova förenklingarna.</a:t>
+            </a:r>
+            <a:endParaRPr lang="sv-SE" sz="1800" dirty="0">
+              <a:solidFill>
+                <a:schemeClr val="tx1"/>
+              </a:solidFill>
+            </a:endParaRPr>
           </a:p>
           <a:p>
             <a:pPr marL="285750" indent="-285750">
@@ -6697,122 +6778,34 @@
               <a:buChar char="•"/>
             </a:pPr>
             <a:r>
-              <a:rPr lang="sv-SE" dirty="0" smtClean="0"/>
-              <a:t>Bevarande av </a:t>
-            </a:r>
-            <a:r>
-              <a:rPr lang="sv-SE" dirty="0"/>
-              <a:t>rörelsemängden, men </a:t>
-            </a:r>
-            <a:r>
-              <a:rPr lang="sv-SE" b="1" i="1" dirty="0"/>
-              <a:t>inte</a:t>
-            </a:r>
-            <a:r>
-              <a:rPr lang="sv-SE" dirty="0"/>
-              <a:t> rörelseenergin. </a:t>
-            </a:r>
-            <a:endParaRPr lang="sv-SE" dirty="0"/>
-          </a:p>
-          <a:p>
-            <a:endParaRPr lang="sv-SE" dirty="0" smtClean="0"/>
-          </a:p>
-          <a:p>
-            <a:endParaRPr lang="sv-SE" dirty="0"/>
-          </a:p>
-          <a:p>
-            <a:endParaRPr lang="sv-SE" dirty="0" smtClean="0"/>
-          </a:p>
-          <a:p>
-            <a:endParaRPr lang="sv-SE" dirty="0"/>
-          </a:p>
-          <a:p>
-            <a:endParaRPr lang="sv-SE" dirty="0" smtClean="0"/>
-          </a:p>
-          <a:p>
-            <a:endParaRPr lang="sv-SE" dirty="0"/>
-          </a:p>
-          <a:p>
-            <a:endParaRPr lang="sv-SE" dirty="0" smtClean="0"/>
-          </a:p>
-          <a:p>
-            <a:endParaRPr lang="sv-SE" dirty="0"/>
-          </a:p>
-          <a:p>
-            <a:endParaRPr lang="sv-SE" dirty="0" smtClean="0"/>
-          </a:p>
-          <a:p>
-            <a:endParaRPr lang="sv-SE" dirty="0"/>
-          </a:p>
-          <a:p>
-            <a:endParaRPr lang="sv-SE" dirty="0"/>
-          </a:p>
-        </p:txBody>
-      </p:sp>
-      <p:pic>
-        <p:nvPicPr>
-          <p:cNvPr id="7" name="Content Placeholder 6"/>
-          <p:cNvPicPr>
-            <a:picLocks noGrp="1" noChangeAspect="1"/>
-          </p:cNvPicPr>
-          <p:nvPr>
-            <p:ph idx="1"/>
-          </p:nvPr>
-        </p:nvPicPr>
-        <p:blipFill>
-          <a:blip r:embed="rId2">
-            <a:extLst>
-              <a:ext uri="{28A0092B-C50C-407E-A947-70E740481C1C}">
-                <a14:useLocalDpi xmlns:a14="http://schemas.microsoft.com/office/drawing/2010/main" val="0"/>
-              </a:ext>
-            </a:extLst>
-          </a:blip>
-          <a:stretch>
-            <a:fillRect/>
-          </a:stretch>
-        </p:blipFill>
-        <p:spPr>
-          <a:xfrm>
-            <a:off x="6366147" y="2117557"/>
-            <a:ext cx="5296464" cy="4045331"/>
-          </a:xfrm>
-        </p:spPr>
-      </p:pic>
-      <p:sp>
-        <p:nvSpPr>
-          <p:cNvPr id="8" name="Rectangle 7"/>
-          <p:cNvSpPr/>
-          <p:nvPr/>
-        </p:nvSpPr>
-        <p:spPr>
-          <a:xfrm>
-            <a:off x="6898104" y="6315378"/>
-            <a:ext cx="6096000" cy="230832"/>
-          </a:xfrm>
-          <a:prstGeom prst="rect">
-            <a:avLst/>
-          </a:prstGeom>
-        </p:spPr>
-        <p:txBody>
-          <a:bodyPr>
-            <a:spAutoFit/>
-          </a:bodyPr>
-          <a:lstStyle/>
-          <a:p>
-            <a:r>
-              <a:rPr lang="sv-SE" sz="900" u="sng" dirty="0">
-                <a:hlinkClick r:id="rId3"/>
+              <a:rPr lang="sv-SE" sz="1800" dirty="0">
+                <a:solidFill>
+                  <a:schemeClr val="tx1"/>
+                </a:solidFill>
               </a:rPr>
-              <a:t>http://www.sparknotes.com/testprep/books/sat2/physics/chapter9section4.rhtml</a:t>
-            </a:r>
-            <a:endParaRPr lang="sv-SE" sz="900" dirty="0"/>
+              <a:t>Det är flera krafter som försummas och simuleringarna sker bara i en dimension.</a:t>
+            </a:r>
+          </a:p>
+          <a:p>
+            <a:pPr marL="285750" indent="-285750">
+              <a:buFont typeface="Arial" panose="020B0604020202020204" pitchFamily="34" charset="0"/>
+              <a:buChar char="•"/>
+            </a:pPr>
+            <a:r>
+              <a:rPr lang="sv-SE" sz="1800" dirty="0">
+                <a:solidFill>
+                  <a:schemeClr val="tx1"/>
+                </a:solidFill>
+              </a:rPr>
+              <a:t>Vi antar isolerat system </a:t>
+            </a:r>
           </a:p>
         </p:txBody>
       </p:sp>
     </p:spTree>
     <p:extLst>
       <p:ext uri="{BB962C8B-B14F-4D97-AF65-F5344CB8AC3E}">
-        <p14:creationId xmlns:p14="http://schemas.microsoft.com/office/powerpoint/2010/main" val="2728361700"/>
+        <p14:creationId xmlns:p14="http://schemas.microsoft.com/office/powerpoint/2010/main" val="3180873645"/>
       </p:ext>
     </p:extLst>
   </p:cSld>
@@ -6862,29 +6855,14 @@
           <a:lstStyle/>
           <a:p>
             <a:r>
-              <a:rPr lang="sv-SE" b="1" dirty="0"/>
-              <a:t>Satelliterna </a:t>
-            </a:r>
-            <a:r>
               <a:rPr lang="sv-SE" b="1" dirty="0" smtClean="0"/>
-              <a:t>dockar inte </a:t>
-            </a:r>
-            <a:r>
-              <a:rPr lang="sv-SE" b="1" dirty="0"/>
-              <a:t>– </a:t>
-            </a:r>
-            <a:r>
-              <a:rPr lang="sv-SE" dirty="0"/>
-              <a:t>E</a:t>
+              <a:t>Satelliterna dockar – </a:t>
             </a:r>
             <a:r>
               <a:rPr lang="sv-SE" dirty="0" smtClean="0"/>
-              <a:t>lastisk </a:t>
-            </a:r>
-            <a:r>
-              <a:rPr lang="sv-SE" dirty="0"/>
-              <a:t>kollision</a:t>
-            </a:r>
+              <a:t>Oelastisk kollision</a:t>
+            </a:r>
+            <a:endParaRPr lang="sv-SE" dirty="0"/>
           </a:p>
         </p:txBody>
       </p:sp>
@@ -6896,15 +6874,15 @@
         </p:nvSpPr>
         <p:spPr>
           <a:xfrm>
-            <a:off x="604434" y="1836458"/>
-            <a:ext cx="4881966" cy="4247317"/>
+            <a:off x="497305" y="1734235"/>
+            <a:ext cx="6096000" cy="4247317"/>
           </a:xfrm>
           <a:prstGeom prst="rect">
             <a:avLst/>
           </a:prstGeom>
         </p:spPr>
         <p:txBody>
-          <a:bodyPr wrap="square">
+          <a:bodyPr>
             <a:spAutoFit/>
           </a:bodyPr>
           <a:lstStyle/>
@@ -6915,27 +6893,20 @@
             </a:pPr>
             <a:r>
               <a:rPr lang="sv-SE" dirty="0"/>
-              <a:t>En </a:t>
+              <a:t>En oelastisk </a:t>
             </a:r>
             <a:r>
               <a:rPr lang="sv-SE" dirty="0" smtClean="0"/>
-              <a:t>elastisk </a:t>
+              <a:t>stöt </a:t>
             </a:r>
             <a:r>
               <a:rPr lang="sv-SE" dirty="0"/>
-              <a:t>stöt innebär att kropparna </a:t>
-            </a:r>
-            <a:r>
-              <a:rPr lang="sv-SE" dirty="0" smtClean="0"/>
-              <a:t>studsar ifrån varandra </a:t>
-            </a:r>
-            <a:r>
-              <a:rPr lang="sv-SE" dirty="0"/>
-              <a:t>efter stöten </a:t>
-            </a:r>
-          </a:p>
-          <a:p>
-            <a:endParaRPr lang="sv-SE" dirty="0"/>
+              <a:t>innebär att kropparna fastnar i varandra efter stöten </a:t>
+            </a:r>
+            <a:endParaRPr lang="sv-SE" dirty="0" smtClean="0"/>
+          </a:p>
+          <a:p>
+            <a:endParaRPr lang="sv-SE" dirty="0" smtClean="0"/>
           </a:p>
           <a:p>
             <a:pPr marL="285750" indent="-285750">
@@ -6943,30 +6914,32 @@
               <a:buChar char="•"/>
             </a:pPr>
             <a:r>
+              <a:rPr lang="sv-SE" dirty="0" smtClean="0"/>
+              <a:t>Bevarande av </a:t>
+            </a:r>
+            <a:r>
               <a:rPr lang="sv-SE" dirty="0"/>
-              <a:t>Bevarande av </a:t>
-            </a:r>
-            <a:r>
-              <a:rPr lang="sv-SE" dirty="0" smtClean="0"/>
-              <a:t>rörelsemängden </a:t>
-            </a:r>
-            <a:r>
-              <a:rPr lang="sv-SE" b="1" i="1" dirty="0" smtClean="0"/>
-              <a:t>och</a:t>
-            </a:r>
-            <a:r>
-              <a:rPr lang="sv-SE" dirty="0" smtClean="0"/>
-              <a:t> </a:t>
+              <a:t>rörelsemängden, men </a:t>
+            </a:r>
+            <a:r>
+              <a:rPr lang="sv-SE" b="1" i="1" dirty="0"/>
+              <a:t>inte</a:t>
             </a:r>
             <a:r>
               <a:rPr lang="sv-SE" dirty="0"/>
-              <a:t>rörelseenergin. </a:t>
-            </a:r>
+              <a:t> rörelseenergin. </a:t>
+            </a:r>
+          </a:p>
+          <a:p>
+            <a:endParaRPr lang="sv-SE" dirty="0" smtClean="0"/>
           </a:p>
           <a:p>
             <a:endParaRPr lang="sv-SE" dirty="0"/>
           </a:p>
           <a:p>
+            <a:endParaRPr lang="sv-SE" dirty="0" smtClean="0"/>
+          </a:p>
+          <a:p>
             <a:endParaRPr lang="sv-SE" dirty="0"/>
           </a:p>
           <a:p>
@@ -6986,9 +6959,6 @@
           </a:p>
           <a:p>
             <a:endParaRPr lang="sv-SE" dirty="0"/>
-          </a:p>
-          <a:p>
-            <a:endParaRPr lang="sv-SE" dirty="0" smtClean="0"/>
           </a:p>
           <a:p>
             <a:endParaRPr lang="sv-SE" dirty="0"/>
@@ -7019,8 +6989,8 @@
         </p:blipFill>
         <p:spPr>
           <a:xfrm>
-            <a:off x="6127710" y="2142665"/>
-            <a:ext cx="5514849" cy="3734341"/>
+            <a:off x="6366147" y="2117557"/>
+            <a:ext cx="5296464" cy="4045331"/>
           </a:xfrm>
         </p:spPr>
       </p:pic>
@@ -7032,7 +7002,7 @@
         </p:nvSpPr>
         <p:spPr>
           <a:xfrm>
-            <a:off x="6849978" y="6314256"/>
+            <a:off x="6898104" y="6315378"/>
             <a:ext cx="6096000" cy="230832"/>
           </a:xfrm>
           <a:prstGeom prst="rect">
@@ -7058,7 +7028,7 @@
     </p:spTree>
     <p:extLst>
       <p:ext uri="{BB962C8B-B14F-4D97-AF65-F5344CB8AC3E}">
-        <p14:creationId xmlns:p14="http://schemas.microsoft.com/office/powerpoint/2010/main" val="365917058"/>
+        <p14:creationId xmlns:p14="http://schemas.microsoft.com/office/powerpoint/2010/main" val="2728361700"/>
       </p:ext>
     </p:extLst>
   </p:cSld>
@@ -7108,32 +7078,50 @@
           <a:lstStyle/>
           <a:p>
             <a:r>
+              <a:rPr lang="sv-SE" b="1" dirty="0"/>
+              <a:t>Satelliterna </a:t>
+            </a:r>
+            <a:r>
+              <a:rPr lang="sv-SE" b="1" dirty="0" smtClean="0"/>
+              <a:t>dockar inte </a:t>
+            </a:r>
+            <a:r>
+              <a:rPr lang="sv-SE" b="1" dirty="0"/>
+              <a:t>– </a:t>
+            </a:r>
+            <a:r>
+              <a:rPr lang="sv-SE" dirty="0"/>
+              <a:t>E</a:t>
+            </a:r>
+            <a:r>
               <a:rPr lang="sv-SE" dirty="0" smtClean="0"/>
-              <a:t>Avgränsningar</a:t>
-            </a:r>
-            <a:endParaRPr lang="sv-SE" dirty="0"/>
-          </a:p>
-        </p:txBody>
-      </p:sp>
-      <p:sp>
-        <p:nvSpPr>
-          <p:cNvPr id="3" name="Content Placeholder 2"/>
-          <p:cNvSpPr>
-            <a:spLocks noGrp="1"/>
-          </p:cNvSpPr>
-          <p:nvPr>
-            <p:ph idx="1"/>
-          </p:nvPr>
+              <a:t>lastisk </a:t>
+            </a:r>
+            <a:r>
+              <a:rPr lang="sv-SE" dirty="0"/>
+              <a:t>kollision</a:t>
+            </a:r>
+          </a:p>
+        </p:txBody>
+      </p:sp>
+      <p:sp>
+        <p:nvSpPr>
+          <p:cNvPr id="5" name="Rectangle 4"/>
+          <p:cNvSpPr/>
+          <p:nvPr/>
         </p:nvSpPr>
         <p:spPr>
           <a:xfrm>
-            <a:off x="838201" y="1825625"/>
-            <a:ext cx="6910136" cy="4351338"/>
-          </a:xfrm>
-        </p:spPr>
-        <p:txBody>
-          <a:bodyPr>
-            <a:normAutofit/>
+            <a:off x="604434" y="1836458"/>
+            <a:ext cx="4881966" cy="4247317"/>
+          </a:xfrm>
+          <a:prstGeom prst="rect">
+            <a:avLst/>
+          </a:prstGeom>
+        </p:spPr>
+        <p:txBody>
+          <a:bodyPr wrap="square">
+            <a:spAutoFit/>
           </a:bodyPr>
           <a:lstStyle/>
           <a:p>
@@ -7142,18 +7130,28 @@
               <a:buChar char="•"/>
             </a:pPr>
             <a:r>
-              <a:rPr lang="sv-SE" sz="1800" dirty="0" smtClean="0">
-                <a:solidFill>
-                  <a:schemeClr val="tx1"/>
-                </a:solidFill>
-              </a:rPr>
-              <a:t>Grova förenklingarna.</a:t>
-            </a:r>
-            <a:endParaRPr lang="sv-SE" sz="1800" dirty="0">
-              <a:solidFill>
-                <a:schemeClr val="tx1"/>
-              </a:solidFill>
-            </a:endParaRPr>
+              <a:rPr lang="sv-SE" dirty="0"/>
+              <a:t>En </a:t>
+            </a:r>
+            <a:r>
+              <a:rPr lang="sv-SE" dirty="0" smtClean="0"/>
+              <a:t>elastisk </a:t>
+            </a:r>
+            <a:r>
+              <a:rPr lang="sv-SE" dirty="0"/>
+              <a:t>stöt innebär att kropparna </a:t>
+            </a:r>
+            <a:r>
+              <a:rPr lang="sv-SE" dirty="0" smtClean="0"/>
+              <a:t>studsar ifrån varandra </a:t>
+            </a:r>
+            <a:r>
+              <a:rPr lang="sv-SE" dirty="0"/>
+              <a:t>efter stöten </a:t>
+            </a:r>
+          </a:p>
+          <a:p>
+            <a:endParaRPr lang="sv-SE" dirty="0"/>
           </a:p>
           <a:p>
             <a:pPr marL="285750" indent="-285750">
@@ -7161,61 +7159,135 @@
               <a:buChar char="•"/>
             </a:pPr>
             <a:r>
-              <a:rPr lang="sv-SE" sz="1800" dirty="0">
-                <a:solidFill>
-                  <a:schemeClr val="tx1"/>
-                </a:solidFill>
+              <a:rPr lang="sv-SE" dirty="0"/>
+              <a:t>Bevarande av </a:t>
+            </a:r>
+            <a:r>
+              <a:rPr lang="sv-SE" dirty="0" smtClean="0"/>
+              <a:t>rörelsemängden </a:t>
+            </a:r>
+            <a:r>
+              <a:rPr lang="sv-SE" b="1" i="1" dirty="0" smtClean="0"/>
+              <a:t>och</a:t>
+            </a:r>
+            <a:r>
+              <a:rPr lang="sv-SE" dirty="0" smtClean="0"/>
+              <a:t> </a:t>
+            </a:r>
+            <a:r>
+              <a:rPr lang="sv-SE" dirty="0"/>
+              <a:t>rörelseenergin. </a:t>
+            </a:r>
+          </a:p>
+          <a:p>
+            <a:endParaRPr lang="sv-SE" dirty="0"/>
+          </a:p>
+          <a:p>
+            <a:endParaRPr lang="sv-SE" dirty="0"/>
+          </a:p>
+          <a:p>
+            <a:endParaRPr lang="sv-SE" dirty="0" smtClean="0"/>
+          </a:p>
+          <a:p>
+            <a:endParaRPr lang="sv-SE" dirty="0"/>
+          </a:p>
+          <a:p>
+            <a:endParaRPr lang="sv-SE" dirty="0" smtClean="0"/>
+          </a:p>
+          <a:p>
+            <a:endParaRPr lang="sv-SE" dirty="0"/>
+          </a:p>
+          <a:p>
+            <a:endParaRPr lang="sv-SE" dirty="0" smtClean="0"/>
+          </a:p>
+          <a:p>
+            <a:endParaRPr lang="sv-SE" dirty="0"/>
+          </a:p>
+          <a:p>
+            <a:endParaRPr lang="sv-SE" dirty="0" smtClean="0"/>
+          </a:p>
+          <a:p>
+            <a:endParaRPr lang="sv-SE" dirty="0"/>
+          </a:p>
+        </p:txBody>
+      </p:sp>
+      <p:pic>
+        <p:nvPicPr>
+          <p:cNvPr id="7" name="Content Placeholder 6"/>
+          <p:cNvPicPr>
+            <a:picLocks noGrp="1" noChangeAspect="1"/>
+          </p:cNvPicPr>
+          <p:nvPr>
+            <p:ph idx="1"/>
+          </p:nvPr>
+        </p:nvPicPr>
+        <p:blipFill>
+          <a:blip r:embed="rId2">
+            <a:extLst>
+              <a:ext uri="{28A0092B-C50C-407E-A947-70E740481C1C}">
+                <a14:useLocalDpi xmlns:a14="http://schemas.microsoft.com/office/drawing/2010/main" val="0"/>
+              </a:ext>
+            </a:extLst>
+          </a:blip>
+          <a:stretch>
+            <a:fillRect/>
+          </a:stretch>
+        </p:blipFill>
+        <p:spPr>
+          <a:xfrm>
+            <a:off x="6127710" y="2142665"/>
+            <a:ext cx="5514849" cy="3734341"/>
+          </a:xfrm>
+        </p:spPr>
+      </p:pic>
+      <p:sp>
+        <p:nvSpPr>
+          <p:cNvPr id="8" name="Rectangle 7"/>
+          <p:cNvSpPr/>
+          <p:nvPr/>
+        </p:nvSpPr>
+        <p:spPr>
+          <a:xfrm>
+            <a:off x="6849978" y="6314256"/>
+            <a:ext cx="6096000" cy="230832"/>
+          </a:xfrm>
+          <a:prstGeom prst="rect">
+            <a:avLst/>
+          </a:prstGeom>
+        </p:spPr>
+        <p:txBody>
+          <a:bodyPr>
+            <a:spAutoFit/>
+          </a:bodyPr>
+          <a:lstStyle/>
+          <a:p>
+            <a:r>
+              <a:rPr lang="sv-SE" sz="900" u="sng" dirty="0">
+                <a:hlinkClick r:id="rId3"/>
               </a:rPr>
-              <a:t>Det </a:t>
-            </a:r>
-            <a:r>
-              <a:rPr lang="sv-SE" sz="1800" dirty="0">
-                <a:solidFill>
-                  <a:schemeClr val="tx1"/>
-                </a:solidFill>
-              </a:rPr>
-              <a:t>är flera krafter som försummas och simuleringarna sker bara i en dimension</a:t>
-            </a:r>
-            <a:r>
-              <a:rPr lang="sv-SE" sz="1800" dirty="0">
-                <a:solidFill>
-                  <a:schemeClr val="tx1"/>
-                </a:solidFill>
-              </a:rPr>
-              <a:t>.</a:t>
-            </a:r>
-          </a:p>
-          <a:p>
-            <a:pPr marL="285750" indent="-285750">
-              <a:buFont typeface="Arial" panose="020B0604020202020204" pitchFamily="34" charset="0"/>
-              <a:buChar char="•"/>
-            </a:pPr>
-            <a:r>
-              <a:rPr lang="sv-SE" sz="1800" dirty="0">
-                <a:solidFill>
-                  <a:schemeClr val="tx1"/>
-                </a:solidFill>
-              </a:rPr>
-              <a:t>Vi antar isolerat system </a:t>
-            </a:r>
-            <a:endParaRPr lang="sv-SE" sz="1800" dirty="0">
-              <a:solidFill>
-                <a:schemeClr val="tx1"/>
-              </a:solidFill>
-            </a:endParaRPr>
+              <a:t>http://www.sparknotes.com/testprep/books/sat2/physics/chapter9section4.rhtml</a:t>
+            </a:r>
+            <a:endParaRPr lang="sv-SE" sz="900" dirty="0"/>
           </a:p>
         </p:txBody>
       </p:sp>
     </p:spTree>
     <p:extLst>
       <p:ext uri="{BB962C8B-B14F-4D97-AF65-F5344CB8AC3E}">
-        <p14:creationId xmlns:p14="http://schemas.microsoft.com/office/powerpoint/2010/main" val="3180873645"/>
+        <p14:creationId xmlns:p14="http://schemas.microsoft.com/office/powerpoint/2010/main" val="365917058"/>
       </p:ext>
     </p:extLst>
   </p:cSld>
   <p:clrMapOvr>
     <a:masterClrMapping/>
   </p:clrMapOvr>
+  <p:timing>
+    <p:tnLst>
+      <p:par>
+        <p:cTn id="1" dur="indefinite" restart="never" nodeType="tmRoot"/>
+      </p:par>
+    </p:tnLst>
+  </p:timing>
 </p:sld>
 </file>
 
@@ -7253,11 +7325,7 @@
           <a:p>
             <a:r>
               <a:rPr lang="sv-SE" dirty="0" smtClean="0"/>
-              <a:t>Mat-</a:t>
-            </a:r>
-            <a:r>
-              <a:rPr lang="sv-SE" dirty="0" err="1" smtClean="0"/>
-              <a:t>lab</a:t>
+              <a:t>MATLAB</a:t>
             </a:r>
             <a:endParaRPr lang="sv-SE" dirty="0"/>
           </a:p>
@@ -7382,6 +7450,13 @@
   <p:clrMapOvr>
     <a:masterClrMapping/>
   </p:clrMapOvr>
+  <p:timing>
+    <p:tnLst>
+      <p:par>
+        <p:cTn id="1" dur="indefinite" restart="never" nodeType="tmRoot"/>
+      </p:par>
+    </p:tnLst>
+  </p:timing>
 </p:sld>
 </file>
 
